--- a/images/theory_analysis/IPIP_GRE_Tunneling/IPIP_GRE_Tunneling.pptx
+++ b/images/theory_analysis/IPIP_GRE_Tunneling/IPIP_GRE_Tunneling.pptx
@@ -215,7 +215,7 @@
           <a:p>
             <a:fld id="{6CD5550B-26C4-49A9-A5BA-636EF7BE6CE9}" type="datetimeFigureOut">
               <a:rPr lang="ko-KR" altLang="en-US" smtClean="0"/>
-              <a:t>2018-07-10</a:t>
+              <a:t>2018-07-12</a:t>
             </a:fld>
             <a:endParaRPr lang="ko-KR" altLang="en-US"/>
           </a:p>
@@ -916,7 +916,7 @@
           <a:p>
             <a:fld id="{FB30EDBD-1C2D-4C1E-B459-B60219FAB484}" type="datetimeFigureOut">
               <a:rPr lang="ko-KR" altLang="en-US" smtClean="0"/>
-              <a:t>2018-07-10</a:t>
+              <a:t>2018-07-12</a:t>
             </a:fld>
             <a:endParaRPr lang="ko-KR" altLang="en-US"/>
           </a:p>
@@ -1081,7 +1081,7 @@
           <a:p>
             <a:fld id="{FB30EDBD-1C2D-4C1E-B459-B60219FAB484}" type="datetimeFigureOut">
               <a:rPr lang="ko-KR" altLang="en-US" smtClean="0"/>
-              <a:t>2018-07-10</a:t>
+              <a:t>2018-07-12</a:t>
             </a:fld>
             <a:endParaRPr lang="ko-KR" altLang="en-US"/>
           </a:p>
@@ -1256,7 +1256,7 @@
           <a:p>
             <a:fld id="{FB30EDBD-1C2D-4C1E-B459-B60219FAB484}" type="datetimeFigureOut">
               <a:rPr lang="ko-KR" altLang="en-US" smtClean="0"/>
-              <a:t>2018-07-10</a:t>
+              <a:t>2018-07-12</a:t>
             </a:fld>
             <a:endParaRPr lang="ko-KR" altLang="en-US"/>
           </a:p>
@@ -1421,7 +1421,7 @@
           <a:p>
             <a:fld id="{FB30EDBD-1C2D-4C1E-B459-B60219FAB484}" type="datetimeFigureOut">
               <a:rPr lang="ko-KR" altLang="en-US" smtClean="0"/>
-              <a:t>2018-07-10</a:t>
+              <a:t>2018-07-12</a:t>
             </a:fld>
             <a:endParaRPr lang="ko-KR" altLang="en-US"/>
           </a:p>
@@ -1669,7 +1669,7 @@
           <a:p>
             <a:fld id="{FB30EDBD-1C2D-4C1E-B459-B60219FAB484}" type="datetimeFigureOut">
               <a:rPr lang="ko-KR" altLang="en-US" smtClean="0"/>
-              <a:t>2018-07-10</a:t>
+              <a:t>2018-07-12</a:t>
             </a:fld>
             <a:endParaRPr lang="ko-KR" altLang="en-US"/>
           </a:p>
@@ -1952,7 +1952,7 @@
           <a:p>
             <a:fld id="{FB30EDBD-1C2D-4C1E-B459-B60219FAB484}" type="datetimeFigureOut">
               <a:rPr lang="ko-KR" altLang="en-US" smtClean="0"/>
-              <a:t>2018-07-10</a:t>
+              <a:t>2018-07-12</a:t>
             </a:fld>
             <a:endParaRPr lang="ko-KR" altLang="en-US"/>
           </a:p>
@@ -2369,7 +2369,7 @@
           <a:p>
             <a:fld id="{FB30EDBD-1C2D-4C1E-B459-B60219FAB484}" type="datetimeFigureOut">
               <a:rPr lang="ko-KR" altLang="en-US" smtClean="0"/>
-              <a:t>2018-07-10</a:t>
+              <a:t>2018-07-12</a:t>
             </a:fld>
             <a:endParaRPr lang="ko-KR" altLang="en-US"/>
           </a:p>
@@ -2482,7 +2482,7 @@
           <a:p>
             <a:fld id="{FB30EDBD-1C2D-4C1E-B459-B60219FAB484}" type="datetimeFigureOut">
               <a:rPr lang="ko-KR" altLang="en-US" smtClean="0"/>
-              <a:t>2018-07-10</a:t>
+              <a:t>2018-07-12</a:t>
             </a:fld>
             <a:endParaRPr lang="ko-KR" altLang="en-US"/>
           </a:p>
@@ -2572,7 +2572,7 @@
           <a:p>
             <a:fld id="{FB30EDBD-1C2D-4C1E-B459-B60219FAB484}" type="datetimeFigureOut">
               <a:rPr lang="ko-KR" altLang="en-US" smtClean="0"/>
-              <a:t>2018-07-10</a:t>
+              <a:t>2018-07-12</a:t>
             </a:fld>
             <a:endParaRPr lang="ko-KR" altLang="en-US"/>
           </a:p>
@@ -2844,7 +2844,7 @@
           <a:p>
             <a:fld id="{FB30EDBD-1C2D-4C1E-B459-B60219FAB484}" type="datetimeFigureOut">
               <a:rPr lang="ko-KR" altLang="en-US" smtClean="0"/>
-              <a:t>2018-07-10</a:t>
+              <a:t>2018-07-12</a:t>
             </a:fld>
             <a:endParaRPr lang="ko-KR" altLang="en-US"/>
           </a:p>
@@ -3092,7 +3092,7 @@
           <a:p>
             <a:fld id="{FB30EDBD-1C2D-4C1E-B459-B60219FAB484}" type="datetimeFigureOut">
               <a:rPr lang="ko-KR" altLang="en-US" smtClean="0"/>
-              <a:t>2018-07-10</a:t>
+              <a:t>2018-07-12</a:t>
             </a:fld>
             <a:endParaRPr lang="ko-KR" altLang="en-US"/>
           </a:p>
@@ -3300,7 +3300,7 @@
           <a:p>
             <a:fld id="{FB30EDBD-1C2D-4C1E-B459-B60219FAB484}" type="datetimeFigureOut">
               <a:rPr lang="ko-KR" altLang="en-US" smtClean="0"/>
-              <a:t>2018-07-10</a:t>
+              <a:t>2018-07-12</a:t>
             </a:fld>
             <a:endParaRPr lang="ko-KR" altLang="en-US"/>
           </a:p>
@@ -3835,7 +3835,6 @@
               <a:rPr lang="en-US" altLang="ko-KR" sz="1400" dirty="0" smtClean="0"/>
               <a:t>Payload</a:t>
             </a:r>
-            <a:endParaRPr lang="en-US" altLang="ko-KR" sz="1400" dirty="0" smtClean="0"/>
           </a:p>
         </p:txBody>
       </p:sp>
@@ -5241,11 +5240,7 @@
           <a:p>
             <a:r>
               <a:rPr lang="en-US" altLang="ko-KR" dirty="0" smtClean="0"/>
-              <a:t>GRE</a:t>
-            </a:r>
-            <a:r>
-              <a:rPr lang="en-US" altLang="ko-KR" dirty="0" smtClean="0"/>
-              <a:t> Packet, Header</a:t>
+              <a:t>GRE Packet, Header</a:t>
             </a:r>
             <a:endParaRPr lang="ko-KR" altLang="en-US" dirty="0"/>
           </a:p>
@@ -5358,7 +5353,6 @@
                 <a:rPr lang="en-US" altLang="ko-KR" sz="1400" b="1" dirty="0" smtClean="0"/>
                 <a:t>Header</a:t>
               </a:r>
-              <a:endParaRPr lang="en-US" altLang="ko-KR" sz="1400" b="1" dirty="0" smtClean="0"/>
             </a:p>
           </p:txBody>
         </p:sp>
@@ -5451,7 +5445,6 @@
                 <a:rPr lang="en-US" altLang="ko-KR" sz="1400" dirty="0" smtClean="0"/>
                 <a:t>Payload</a:t>
               </a:r>
-              <a:endParaRPr lang="en-US" altLang="ko-KR" sz="1400" dirty="0" smtClean="0"/>
             </a:p>
           </p:txBody>
         </p:sp>
@@ -5534,7 +5527,11 @@
             <a:pPr algn="ctr"/>
             <a:r>
               <a:rPr lang="en-US" altLang="ko-KR" sz="1200" dirty="0" smtClean="0"/>
-              <a:t>Protocol</a:t>
+              <a:t>Protocol - </a:t>
+            </a:r>
+            <a:r>
+              <a:rPr lang="en-US" altLang="ko-KR" sz="1200" dirty="0" err="1" smtClean="0"/>
+              <a:t>2byte</a:t>
             </a:r>
             <a:endParaRPr lang="ko-KR" altLang="en-US" sz="1200" dirty="0"/>
           </a:p>
@@ -5574,6 +5571,18 @@
           <a:lstStyle/>
           <a:p>
             <a:pPr algn="ctr"/>
+            <a:r>
+              <a:rPr lang="en-US" altLang="ko-KR" sz="1200" dirty="0" smtClean="0"/>
+              <a:t>Reserved - </a:t>
+            </a:r>
+            <a:r>
+              <a:rPr lang="en-US" altLang="ko-KR" sz="1200" dirty="0" err="1" smtClean="0"/>
+              <a:t>2byte</a:t>
+            </a:r>
+            <a:r>
+              <a:rPr lang="en-US" altLang="ko-KR" sz="1200" dirty="0" smtClean="0"/>
+              <a:t> - Optional</a:t>
+            </a:r>
             <a:endParaRPr lang="ko-KR" altLang="en-US" sz="1200" dirty="0"/>
           </a:p>
         </p:txBody>
@@ -5614,7 +5623,23 @@
             <a:pPr algn="ctr"/>
             <a:r>
               <a:rPr lang="en-US" altLang="ko-KR" sz="1200" dirty="0" smtClean="0"/>
-              <a:t>Key (Optional)</a:t>
+              <a:t>Key </a:t>
+            </a:r>
+            <a:r>
+              <a:rPr lang="en-US" altLang="ko-KR" sz="1200" dirty="0"/>
+              <a:t>-</a:t>
+            </a:r>
+            <a:r>
+              <a:rPr lang="en-US" altLang="ko-KR" sz="1200" dirty="0" smtClean="0"/>
+              <a:t> </a:t>
+            </a:r>
+            <a:r>
+              <a:rPr lang="en-US" altLang="ko-KR" sz="1200" dirty="0" err="1" smtClean="0"/>
+              <a:t>4byte</a:t>
+            </a:r>
+            <a:r>
+              <a:rPr lang="en-US" altLang="ko-KR" sz="1200" dirty="0" smtClean="0"/>
+              <a:t> - Optional</a:t>
             </a:r>
             <a:endParaRPr lang="ko-KR" altLang="en-US" sz="1200" dirty="0"/>
           </a:p>
@@ -5656,7 +5681,27 @@
             <a:pPr algn="ctr"/>
             <a:r>
               <a:rPr lang="en-US" altLang="ko-KR" sz="1200" dirty="0" smtClean="0"/>
-              <a:t>Sequence Number (Optional)</a:t>
+              <a:t>Sequence Number </a:t>
+            </a:r>
+            <a:r>
+              <a:rPr lang="en-US" altLang="ko-KR" sz="1200" dirty="0"/>
+              <a:t>-</a:t>
+            </a:r>
+            <a:r>
+              <a:rPr lang="en-US" altLang="ko-KR" sz="1200" dirty="0" smtClean="0"/>
+              <a:t> </a:t>
+            </a:r>
+            <a:r>
+              <a:rPr lang="en-US" altLang="ko-KR" sz="1200" dirty="0" err="1" smtClean="0"/>
+              <a:t>4byte</a:t>
+            </a:r>
+            <a:r>
+              <a:rPr lang="en-US" altLang="ko-KR" sz="1200" dirty="0" smtClean="0"/>
+              <a:t> - </a:t>
+            </a:r>
+            <a:r>
+              <a:rPr lang="en-US" altLang="ko-KR" sz="1200" dirty="0" smtClean="0"/>
+              <a:t>Optional</a:t>
             </a:r>
             <a:endParaRPr lang="ko-KR" altLang="en-US" sz="1200" dirty="0"/>
           </a:p>
@@ -5738,6 +5783,25 @@
               <a:rPr lang="en-US" altLang="ko-KR" sz="1200" dirty="0" err="1" smtClean="0"/>
               <a:t>Ver</a:t>
             </a:r>
+            <a:r>
+              <a:rPr lang="en-US" altLang="ko-KR" sz="1200" dirty="0" smtClean="0"/>
+              <a:t> </a:t>
+            </a:r>
+          </a:p>
+          <a:p>
+            <a:pPr algn="ctr"/>
+            <a:r>
+              <a:rPr lang="en-US" altLang="ko-KR" sz="1200" dirty="0"/>
+              <a:t>-</a:t>
+            </a:r>
+            <a:r>
+              <a:rPr lang="en-US" altLang="ko-KR" sz="1200" dirty="0" smtClean="0"/>
+              <a:t> </a:t>
+            </a:r>
+            <a:r>
+              <a:rPr lang="en-US" altLang="ko-KR" sz="1200" dirty="0" err="1" smtClean="0"/>
+              <a:t>1byte</a:t>
+            </a:r>
             <a:endParaRPr lang="ko-KR" altLang="en-US" sz="1200" dirty="0"/>
           </a:p>
         </p:txBody>
@@ -5776,6 +5840,10 @@
           <a:lstStyle/>
           <a:p>
             <a:pPr algn="ctr"/>
+            <a:r>
+              <a:rPr lang="en-US" altLang="ko-KR" sz="1200" dirty="0" smtClean="0"/>
+              <a:t>Reserved</a:t>
+            </a:r>
             <a:endParaRPr lang="ko-KR" altLang="en-US" sz="1200" dirty="0"/>
           </a:p>
         </p:txBody>
@@ -5816,7 +5884,19 @@
             <a:pPr algn="ctr"/>
             <a:r>
               <a:rPr lang="en-US" altLang="ko-KR" sz="1200" dirty="0" smtClean="0"/>
-              <a:t>Checksum (Optional)</a:t>
+              <a:t>Checksum </a:t>
+            </a:r>
+            <a:r>
+              <a:rPr lang="en-US" altLang="ko-KR" sz="1200" dirty="0" smtClean="0"/>
+              <a:t>- </a:t>
+            </a:r>
+            <a:r>
+              <a:rPr lang="en-US" altLang="ko-KR" sz="1200" dirty="0" err="1" smtClean="0"/>
+              <a:t>2byte</a:t>
+            </a:r>
+            <a:r>
+              <a:rPr lang="en-US" altLang="ko-KR" sz="1200" dirty="0" smtClean="0"/>
+              <a:t> - Optional</a:t>
             </a:r>
             <a:endParaRPr lang="ko-KR" altLang="en-US" sz="1200" dirty="0"/>
           </a:p>
@@ -5903,6 +5983,37 @@
               <a:t>S</a:t>
             </a:r>
             <a:endParaRPr lang="ko-KR" altLang="en-US" sz="1200" dirty="0"/>
+          </a:p>
+        </p:txBody>
+      </p:sp>
+      <p:sp>
+        <p:nvSpPr>
+          <p:cNvPr id="23" name="TextBox 22"/>
+          <p:cNvSpPr txBox="1"/>
+          <p:nvPr/>
+        </p:nvSpPr>
+        <p:spPr>
+          <a:xfrm>
+            <a:off x="3923928" y="4443958"/>
+            <a:ext cx="1440160" cy="307777"/>
+          </a:xfrm>
+          <a:prstGeom prst="rect">
+            <a:avLst/>
+          </a:prstGeom>
+          <a:noFill/>
+        </p:spPr>
+        <p:txBody>
+          <a:bodyPr wrap="square" rtlCol="0">
+            <a:spAutoFit/>
+          </a:bodyPr>
+          <a:lstStyle/>
+          <a:p>
+            <a:pPr algn="ctr"/>
+            <a:r>
+              <a:rPr lang="en-US" altLang="ko-KR" sz="1400" dirty="0" smtClean="0"/>
+              <a:t>GRE Header</a:t>
+            </a:r>
+            <a:endParaRPr lang="ko-KR" altLang="en-US" sz="1400" dirty="0"/>
           </a:p>
         </p:txBody>
       </p:sp>
